--- a/1차중간프로젝트_강석진윤준혁.pptx
+++ b/1차중간프로젝트_강석진윤준혁.pptx
@@ -7030,141 +7030,6 @@
           </p:spPr>
         </p:pic>
       </p:grpSp>
-      <p:grpSp>
-        <p:nvGrpSpPr>
-          <p:cNvPr id="142" name="그룹 141"/>
-          <p:cNvGrpSpPr/>
-          <p:nvPr/>
-        </p:nvGrpSpPr>
-        <p:grpSpPr>
-          <a:xfrm>
-            <a:off x="801297" y="2771219"/>
-            <a:ext cx="2433713" cy="609600"/>
-            <a:chOff x="619980" y="481398"/>
-            <a:chExt cx="2433713" cy="609600"/>
-          </a:xfrm>
-        </p:grpSpPr>
-        <p:pic>
-          <p:nvPicPr>
-            <p:cNvPr id="138" name="그림 137"/>
-            <p:cNvPicPr>
-              <a:picLocks noChangeAspect="1"/>
-            </p:cNvPicPr>
-            <p:nvPr/>
-          </p:nvPicPr>
-          <p:blipFill>
-            <a:blip r:embed="rId4">
-              <a:extLst>
-                <a:ext uri="{28A0092B-C50C-407E-A947-70E740481C1C}">
-                  <a14:useLocalDpi xmlns:a14="http://schemas.microsoft.com/office/drawing/2010/main" val="0"/>
-                </a:ext>
-              </a:extLst>
-            </a:blip>
-            <a:stretch>
-              <a:fillRect/>
-            </a:stretch>
-          </p:blipFill>
-          <p:spPr>
-            <a:xfrm>
-              <a:off x="1834493" y="481398"/>
-              <a:ext cx="609600" cy="609600"/>
-            </a:xfrm>
-            <a:prstGeom prst="rect">
-              <a:avLst/>
-            </a:prstGeom>
-          </p:spPr>
-        </p:pic>
-        <p:pic>
-          <p:nvPicPr>
-            <p:cNvPr id="139" name="그림 138"/>
-            <p:cNvPicPr>
-              <a:picLocks noChangeAspect="1"/>
-            </p:cNvPicPr>
-            <p:nvPr/>
-          </p:nvPicPr>
-          <p:blipFill>
-            <a:blip r:embed="rId4">
-              <a:extLst>
-                <a:ext uri="{28A0092B-C50C-407E-A947-70E740481C1C}">
-                  <a14:useLocalDpi xmlns:a14="http://schemas.microsoft.com/office/drawing/2010/main" val="0"/>
-                </a:ext>
-              </a:extLst>
-            </a:blip>
-            <a:stretch>
-              <a:fillRect/>
-            </a:stretch>
-          </p:blipFill>
-          <p:spPr>
-            <a:xfrm>
-              <a:off x="2444093" y="481398"/>
-              <a:ext cx="609600" cy="609600"/>
-            </a:xfrm>
-            <a:prstGeom prst="rect">
-              <a:avLst/>
-            </a:prstGeom>
-          </p:spPr>
-        </p:pic>
-        <p:pic>
-          <p:nvPicPr>
-            <p:cNvPr id="140" name="그림 139"/>
-            <p:cNvPicPr>
-              <a:picLocks noChangeAspect="1"/>
-            </p:cNvPicPr>
-            <p:nvPr/>
-          </p:nvPicPr>
-          <p:blipFill>
-            <a:blip r:embed="rId4">
-              <a:extLst>
-                <a:ext uri="{28A0092B-C50C-407E-A947-70E740481C1C}">
-                  <a14:useLocalDpi xmlns:a14="http://schemas.microsoft.com/office/drawing/2010/main" val="0"/>
-                </a:ext>
-              </a:extLst>
-            </a:blip>
-            <a:stretch>
-              <a:fillRect/>
-            </a:stretch>
-          </p:blipFill>
-          <p:spPr>
-            <a:xfrm>
-              <a:off x="619980" y="481398"/>
-              <a:ext cx="609600" cy="609600"/>
-            </a:xfrm>
-            <a:prstGeom prst="rect">
-              <a:avLst/>
-            </a:prstGeom>
-          </p:spPr>
-        </p:pic>
-        <p:pic>
-          <p:nvPicPr>
-            <p:cNvPr id="141" name="그림 140"/>
-            <p:cNvPicPr>
-              <a:picLocks noChangeAspect="1"/>
-            </p:cNvPicPr>
-            <p:nvPr/>
-          </p:nvPicPr>
-          <p:blipFill>
-            <a:blip r:embed="rId4">
-              <a:extLst>
-                <a:ext uri="{28A0092B-C50C-407E-A947-70E740481C1C}">
-                  <a14:useLocalDpi xmlns:a14="http://schemas.microsoft.com/office/drawing/2010/main" val="0"/>
-                </a:ext>
-              </a:extLst>
-            </a:blip>
-            <a:stretch>
-              <a:fillRect/>
-            </a:stretch>
-          </p:blipFill>
-          <p:spPr>
-            <a:xfrm>
-              <a:off x="1229580" y="481398"/>
-              <a:ext cx="609600" cy="609600"/>
-            </a:xfrm>
-            <a:prstGeom prst="rect">
-              <a:avLst/>
-            </a:prstGeom>
-          </p:spPr>
-        </p:pic>
-      </p:grpSp>
       <p:pic>
         <p:nvPicPr>
           <p:cNvPr id="160" name="그림 159"/>
@@ -7174,7 +7039,7 @@
           <p:nvPr/>
         </p:nvPicPr>
         <p:blipFill>
-          <a:blip r:embed="rId5">
+          <a:blip r:embed="rId4">
             <a:extLst>
               <a:ext uri="{28A0092B-C50C-407E-A947-70E740481C1C}">
                 <a14:useLocalDpi xmlns:a14="http://schemas.microsoft.com/office/drawing/2010/main" val="0"/>
@@ -7257,7 +7122,7 @@
           <p:nvPr/>
         </p:nvPicPr>
         <p:blipFill>
-          <a:blip r:embed="rId6">
+          <a:blip r:embed="rId5">
             <a:extLst>
               <a:ext uri="{28A0092B-C50C-407E-A947-70E740481C1C}">
                 <a14:useLocalDpi xmlns:a14="http://schemas.microsoft.com/office/drawing/2010/main" val="0"/>
@@ -7493,6 +7358,156 @@
           </a:p>
         </p:txBody>
       </p:sp>
+      <p:pic>
+        <p:nvPicPr>
+          <p:cNvPr id="203" name="그림 202"/>
+          <p:cNvPicPr>
+            <a:picLocks noChangeAspect="1"/>
+          </p:cNvPicPr>
+          <p:nvPr/>
+        </p:nvPicPr>
+        <p:blipFill>
+          <a:blip r:embed="rId6">
+            <a:extLst>
+              <a:ext uri="{28A0092B-C50C-407E-A947-70E740481C1C}">
+                <a14:useLocalDpi xmlns:a14="http://schemas.microsoft.com/office/drawing/2010/main" val="0"/>
+              </a:ext>
+            </a:extLst>
+          </a:blip>
+          <a:stretch>
+            <a:fillRect/>
+          </a:stretch>
+        </p:blipFill>
+        <p:spPr>
+          <a:xfrm>
+            <a:off x="804881" y="2842422"/>
+            <a:ext cx="609600" cy="609600"/>
+          </a:xfrm>
+          <a:prstGeom prst="rect">
+            <a:avLst/>
+          </a:prstGeom>
+        </p:spPr>
+      </p:pic>
+      <p:pic>
+        <p:nvPicPr>
+          <p:cNvPr id="204" name="그림 203"/>
+          <p:cNvPicPr>
+            <a:picLocks noChangeAspect="1"/>
+          </p:cNvPicPr>
+          <p:nvPr/>
+        </p:nvPicPr>
+        <p:blipFill>
+          <a:blip r:embed="rId6">
+            <a:extLst>
+              <a:ext uri="{28A0092B-C50C-407E-A947-70E740481C1C}">
+                <a14:useLocalDpi xmlns:a14="http://schemas.microsoft.com/office/drawing/2010/main" val="0"/>
+              </a:ext>
+            </a:extLst>
+          </a:blip>
+          <a:stretch>
+            <a:fillRect/>
+          </a:stretch>
+        </p:blipFill>
+        <p:spPr>
+          <a:xfrm>
+            <a:off x="1414397" y="2836043"/>
+            <a:ext cx="609600" cy="609600"/>
+          </a:xfrm>
+          <a:prstGeom prst="rect">
+            <a:avLst/>
+          </a:prstGeom>
+        </p:spPr>
+      </p:pic>
+      <p:pic>
+        <p:nvPicPr>
+          <p:cNvPr id="205" name="그림 204"/>
+          <p:cNvPicPr>
+            <a:picLocks noChangeAspect="1"/>
+          </p:cNvPicPr>
+          <p:nvPr/>
+        </p:nvPicPr>
+        <p:blipFill>
+          <a:blip r:embed="rId6">
+            <a:extLst>
+              <a:ext uri="{28A0092B-C50C-407E-A947-70E740481C1C}">
+                <a14:useLocalDpi xmlns:a14="http://schemas.microsoft.com/office/drawing/2010/main" val="0"/>
+              </a:ext>
+            </a:extLst>
+          </a:blip>
+          <a:stretch>
+            <a:fillRect/>
+          </a:stretch>
+        </p:blipFill>
+        <p:spPr>
+          <a:xfrm>
+            <a:off x="2023997" y="2836043"/>
+            <a:ext cx="609600" cy="609600"/>
+          </a:xfrm>
+          <a:prstGeom prst="rect">
+            <a:avLst/>
+          </a:prstGeom>
+        </p:spPr>
+      </p:pic>
+      <p:pic>
+        <p:nvPicPr>
+          <p:cNvPr id="206" name="그림 205"/>
+          <p:cNvPicPr>
+            <a:picLocks noChangeAspect="1"/>
+          </p:cNvPicPr>
+          <p:nvPr/>
+        </p:nvPicPr>
+        <p:blipFill>
+          <a:blip r:embed="rId6">
+            <a:extLst>
+              <a:ext uri="{28A0092B-C50C-407E-A947-70E740481C1C}">
+                <a14:useLocalDpi xmlns:a14="http://schemas.microsoft.com/office/drawing/2010/main" val="0"/>
+              </a:ext>
+            </a:extLst>
+          </a:blip>
+          <a:stretch>
+            <a:fillRect/>
+          </a:stretch>
+        </p:blipFill>
+        <p:spPr>
+          <a:xfrm>
+            <a:off x="2633513" y="2829664"/>
+            <a:ext cx="609600" cy="609600"/>
+          </a:xfrm>
+          <a:prstGeom prst="rect">
+            <a:avLst/>
+          </a:prstGeom>
+        </p:spPr>
+      </p:pic>
+      <p:pic>
+        <p:nvPicPr>
+          <p:cNvPr id="208" name="그림 207"/>
+          <p:cNvPicPr>
+            <a:picLocks noChangeAspect="1"/>
+          </p:cNvPicPr>
+          <p:nvPr/>
+        </p:nvPicPr>
+        <p:blipFill>
+          <a:blip r:embed="rId7">
+            <a:extLst>
+              <a:ext uri="{28A0092B-C50C-407E-A947-70E740481C1C}">
+                <a14:useLocalDpi xmlns:a14="http://schemas.microsoft.com/office/drawing/2010/main" val="0"/>
+              </a:ext>
+            </a:extLst>
+          </a:blip>
+          <a:stretch>
+            <a:fillRect/>
+          </a:stretch>
+        </p:blipFill>
+        <p:spPr>
+          <a:xfrm>
+            <a:off x="7662946" y="2843098"/>
+            <a:ext cx="609516" cy="609516"/>
+          </a:xfrm>
+          <a:prstGeom prst="rect">
+            <a:avLst/>
+          </a:prstGeom>
+        </p:spPr>
+      </p:pic>
     </p:spTree>
     <p:extLst>
       <p:ext uri="{BB962C8B-B14F-4D97-AF65-F5344CB8AC3E}">
@@ -9465,6 +9480,36 @@
           </a:p>
         </p:txBody>
       </p:sp>
+      <p:pic>
+        <p:nvPicPr>
+          <p:cNvPr id="151" name="그림 150"/>
+          <p:cNvPicPr>
+            <a:picLocks noChangeAspect="1"/>
+          </p:cNvPicPr>
+          <p:nvPr/>
+        </p:nvPicPr>
+        <p:blipFill>
+          <a:blip r:embed="rId3">
+            <a:extLst>
+              <a:ext uri="{28A0092B-C50C-407E-A947-70E740481C1C}">
+                <a14:useLocalDpi xmlns:a14="http://schemas.microsoft.com/office/drawing/2010/main" val="0"/>
+              </a:ext>
+            </a:extLst>
+          </a:blip>
+          <a:stretch>
+            <a:fillRect/>
+          </a:stretch>
+        </p:blipFill>
+        <p:spPr>
+          <a:xfrm>
+            <a:off x="1547664" y="4007639"/>
+            <a:ext cx="952500" cy="952500"/>
+          </a:xfrm>
+          <a:prstGeom prst="rect">
+            <a:avLst/>
+          </a:prstGeom>
+        </p:spPr>
+      </p:pic>
     </p:spTree>
     <p:extLst>
       <p:ext uri="{BB962C8B-B14F-4D97-AF65-F5344CB8AC3E}">
